--- a/Android Studio/안드로이드 스튜디오 포스팅.pptx
+++ b/Android Studio/안드로이드 스튜디오 포스팅.pptx
@@ -7,6 +7,10 @@
   <p:sldIdLst>
     <p:sldId id="256" r:id="rId2"/>
     <p:sldId id="257" r:id="rId3"/>
+    <p:sldId id="258" r:id="rId4"/>
+    <p:sldId id="259" r:id="rId5"/>
+    <p:sldId id="260" r:id="rId6"/>
+    <p:sldId id="261" r:id="rId7"/>
   </p:sldIdLst>
   <p:sldSz cx="12192000" cy="6858000"/>
   <p:notesSz cx="6858000" cy="9144000"/>
@@ -105,6 +109,11 @@
       </a:defRPr>
     </a:lvl9pPr>
   </p:defaultTextStyle>
+  <p:extLst>
+    <p:ext uri="{EFAFB233-063F-42B5-8137-9DF3F51BA10A}">
+      <p15:sldGuideLst xmlns:p15="http://schemas.microsoft.com/office/powerpoint/2012/main"/>
+    </p:ext>
+  </p:extLst>
 </p:presentation>
 </file>
 
@@ -3180,6 +3189,298 @@
 </p:sld>
 </file>
 
+<file path=ppt/slides/slide3.xml><?xml version="1.0" encoding="utf-8"?>
+<p:sld xmlns:a="http://schemas.openxmlformats.org/drawingml/2006/main" xmlns:r="http://schemas.openxmlformats.org/officeDocument/2006/relationships" xmlns:p="http://schemas.openxmlformats.org/presentationml/2006/main">
+  <p:cSld>
+    <p:spTree>
+      <p:nvGrpSpPr>
+        <p:cNvPr id="1" name=""/>
+        <p:cNvGrpSpPr/>
+        <p:nvPr/>
+      </p:nvGrpSpPr>
+      <p:grpSpPr>
+        <a:xfrm>
+          <a:off x="0" y="0"/>
+          <a:ext cx="0" cy="0"/>
+          <a:chOff x="0" y="0"/>
+          <a:chExt cx="0" cy="0"/>
+        </a:xfrm>
+      </p:grpSpPr>
+      <p:pic>
+        <p:nvPicPr>
+          <p:cNvPr id="5" name="그림 4"/>
+          <p:cNvPicPr>
+            <a:picLocks noChangeAspect="1"/>
+          </p:cNvPicPr>
+          <p:nvPr/>
+        </p:nvPicPr>
+        <p:blipFill>
+          <a:blip r:embed="rId2"/>
+          <a:stretch>
+            <a:fillRect/>
+          </a:stretch>
+        </p:blipFill>
+        <p:spPr>
+          <a:xfrm>
+            <a:off x="5805050" y="437774"/>
+            <a:ext cx="2766300" cy="4770533"/>
+          </a:xfrm>
+          <a:prstGeom prst="rect">
+            <a:avLst/>
+          </a:prstGeom>
+        </p:spPr>
+      </p:pic>
+      <p:pic>
+        <p:nvPicPr>
+          <p:cNvPr id="6" name="그림 5"/>
+          <p:cNvPicPr>
+            <a:picLocks noChangeAspect="1"/>
+          </p:cNvPicPr>
+          <p:nvPr/>
+        </p:nvPicPr>
+        <p:blipFill>
+          <a:blip r:embed="rId3"/>
+          <a:stretch>
+            <a:fillRect/>
+          </a:stretch>
+        </p:blipFill>
+        <p:spPr>
+          <a:xfrm>
+            <a:off x="1338021" y="1961905"/>
+            <a:ext cx="3132091" cy="1722269"/>
+          </a:xfrm>
+          <a:prstGeom prst="rect">
+            <a:avLst/>
+          </a:prstGeom>
+        </p:spPr>
+      </p:pic>
+    </p:spTree>
+    <p:extLst>
+      <p:ext uri="{BB962C8B-B14F-4D97-AF65-F5344CB8AC3E}">
+        <p14:creationId xmlns:p14="http://schemas.microsoft.com/office/powerpoint/2010/main" val="3089483300"/>
+      </p:ext>
+    </p:extLst>
+  </p:cSld>
+  <p:clrMapOvr>
+    <a:masterClrMapping/>
+  </p:clrMapOvr>
+</p:sld>
+</file>
+
+<file path=ppt/slides/slide4.xml><?xml version="1.0" encoding="utf-8"?>
+<p:sld xmlns:a="http://schemas.openxmlformats.org/drawingml/2006/main" xmlns:r="http://schemas.openxmlformats.org/officeDocument/2006/relationships" xmlns:p="http://schemas.openxmlformats.org/presentationml/2006/main">
+  <p:cSld>
+    <p:spTree>
+      <p:nvGrpSpPr>
+        <p:cNvPr id="1" name=""/>
+        <p:cNvGrpSpPr/>
+        <p:nvPr/>
+      </p:nvGrpSpPr>
+      <p:grpSpPr>
+        <a:xfrm>
+          <a:off x="0" y="0"/>
+          <a:ext cx="0" cy="0"/>
+          <a:chOff x="0" y="0"/>
+          <a:chExt cx="0" cy="0"/>
+        </a:xfrm>
+      </p:grpSpPr>
+      <p:pic>
+        <p:nvPicPr>
+          <p:cNvPr id="5" name="그림 4"/>
+          <p:cNvPicPr>
+            <a:picLocks noChangeAspect="1"/>
+          </p:cNvPicPr>
+          <p:nvPr/>
+        </p:nvPicPr>
+        <p:blipFill>
+          <a:blip r:embed="rId2"/>
+          <a:stretch>
+            <a:fillRect/>
+          </a:stretch>
+        </p:blipFill>
+        <p:spPr>
+          <a:xfrm>
+            <a:off x="6148380" y="2568331"/>
+            <a:ext cx="2621507" cy="739204"/>
+          </a:xfrm>
+          <a:prstGeom prst="rect">
+            <a:avLst/>
+          </a:prstGeom>
+        </p:spPr>
+      </p:pic>
+      <p:pic>
+        <p:nvPicPr>
+          <p:cNvPr id="6" name="그림 5"/>
+          <p:cNvPicPr>
+            <a:picLocks noChangeAspect="1"/>
+          </p:cNvPicPr>
+          <p:nvPr/>
+        </p:nvPicPr>
+        <p:blipFill>
+          <a:blip r:embed="rId3"/>
+          <a:stretch>
+            <a:fillRect/>
+          </a:stretch>
+        </p:blipFill>
+        <p:spPr>
+          <a:xfrm>
+            <a:off x="1789686" y="2678831"/>
+            <a:ext cx="3871295" cy="518205"/>
+          </a:xfrm>
+          <a:prstGeom prst="rect">
+            <a:avLst/>
+          </a:prstGeom>
+        </p:spPr>
+      </p:pic>
+    </p:spTree>
+    <p:extLst>
+      <p:ext uri="{BB962C8B-B14F-4D97-AF65-F5344CB8AC3E}">
+        <p14:creationId xmlns:p14="http://schemas.microsoft.com/office/powerpoint/2010/main" val="2825546740"/>
+      </p:ext>
+    </p:extLst>
+  </p:cSld>
+  <p:clrMapOvr>
+    <a:masterClrMapping/>
+  </p:clrMapOvr>
+</p:sld>
+</file>
+
+<file path=ppt/slides/slide5.xml><?xml version="1.0" encoding="utf-8"?>
+<p:sld xmlns:a="http://schemas.openxmlformats.org/drawingml/2006/main" xmlns:r="http://schemas.openxmlformats.org/officeDocument/2006/relationships" xmlns:p="http://schemas.openxmlformats.org/presentationml/2006/main">
+  <p:cSld>
+    <p:spTree>
+      <p:nvGrpSpPr>
+        <p:cNvPr id="1" name=""/>
+        <p:cNvGrpSpPr/>
+        <p:nvPr/>
+      </p:nvGrpSpPr>
+      <p:grpSpPr>
+        <a:xfrm>
+          <a:off x="0" y="0"/>
+          <a:ext cx="0" cy="0"/>
+          <a:chOff x="0" y="0"/>
+          <a:chExt cx="0" cy="0"/>
+        </a:xfrm>
+      </p:grpSpPr>
+      <p:sp>
+        <p:nvSpPr>
+          <p:cNvPr id="2" name="제목 1"/>
+          <p:cNvSpPr>
+            <a:spLocks noGrp="1"/>
+          </p:cNvSpPr>
+          <p:nvPr>
+            <p:ph type="title"/>
+          </p:nvPr>
+        </p:nvSpPr>
+        <p:spPr/>
+        <p:txBody>
+          <a:bodyPr/>
+          <a:lstStyle/>
+          <a:p>
+            <a:endParaRPr lang="ko-KR" altLang="en-US"/>
+          </a:p>
+        </p:txBody>
+      </p:sp>
+      <p:sp>
+        <p:nvSpPr>
+          <p:cNvPr id="3" name="내용 개체 틀 2"/>
+          <p:cNvSpPr>
+            <a:spLocks noGrp="1"/>
+          </p:cNvSpPr>
+          <p:nvPr>
+            <p:ph idx="1"/>
+          </p:nvPr>
+        </p:nvSpPr>
+        <p:spPr/>
+        <p:txBody>
+          <a:bodyPr/>
+          <a:lstStyle/>
+          <a:p>
+            <a:endParaRPr lang="ko-KR" altLang="en-US"/>
+          </a:p>
+        </p:txBody>
+      </p:sp>
+    </p:spTree>
+    <p:extLst>
+      <p:ext uri="{BB962C8B-B14F-4D97-AF65-F5344CB8AC3E}">
+        <p14:creationId xmlns:p14="http://schemas.microsoft.com/office/powerpoint/2010/main" val="2829185462"/>
+      </p:ext>
+    </p:extLst>
+  </p:cSld>
+  <p:clrMapOvr>
+    <a:masterClrMapping/>
+  </p:clrMapOvr>
+</p:sld>
+</file>
+
+<file path=ppt/slides/slide6.xml><?xml version="1.0" encoding="utf-8"?>
+<p:sld xmlns:a="http://schemas.openxmlformats.org/drawingml/2006/main" xmlns:r="http://schemas.openxmlformats.org/officeDocument/2006/relationships" xmlns:p="http://schemas.openxmlformats.org/presentationml/2006/main">
+  <p:cSld>
+    <p:spTree>
+      <p:nvGrpSpPr>
+        <p:cNvPr id="1" name=""/>
+        <p:cNvGrpSpPr/>
+        <p:nvPr/>
+      </p:nvGrpSpPr>
+      <p:grpSpPr>
+        <a:xfrm>
+          <a:off x="0" y="0"/>
+          <a:ext cx="0" cy="0"/>
+          <a:chOff x="0" y="0"/>
+          <a:chExt cx="0" cy="0"/>
+        </a:xfrm>
+      </p:grpSpPr>
+      <p:sp>
+        <p:nvSpPr>
+          <p:cNvPr id="2" name="제목 1"/>
+          <p:cNvSpPr>
+            <a:spLocks noGrp="1"/>
+          </p:cNvSpPr>
+          <p:nvPr>
+            <p:ph type="title"/>
+          </p:nvPr>
+        </p:nvSpPr>
+        <p:spPr/>
+        <p:txBody>
+          <a:bodyPr/>
+          <a:lstStyle/>
+          <a:p>
+            <a:endParaRPr lang="ko-KR" altLang="en-US"/>
+          </a:p>
+        </p:txBody>
+      </p:sp>
+      <p:sp>
+        <p:nvSpPr>
+          <p:cNvPr id="3" name="내용 개체 틀 2"/>
+          <p:cNvSpPr>
+            <a:spLocks noGrp="1"/>
+          </p:cNvSpPr>
+          <p:nvPr>
+            <p:ph idx="1"/>
+          </p:nvPr>
+        </p:nvSpPr>
+        <p:spPr/>
+        <p:txBody>
+          <a:bodyPr/>
+          <a:lstStyle/>
+          <a:p>
+            <a:endParaRPr lang="ko-KR" altLang="en-US"/>
+          </a:p>
+        </p:txBody>
+      </p:sp>
+    </p:spTree>
+    <p:extLst>
+      <p:ext uri="{BB962C8B-B14F-4D97-AF65-F5344CB8AC3E}">
+        <p14:creationId xmlns:p14="http://schemas.microsoft.com/office/powerpoint/2010/main" val="2851402739"/>
+      </p:ext>
+    </p:extLst>
+  </p:cSld>
+  <p:clrMapOvr>
+    <a:masterClrMapping/>
+  </p:clrMapOvr>
+</p:sld>
+</file>
+
 <file path=ppt/theme/theme1.xml><?xml version="1.0" encoding="utf-8"?>
 <a:theme xmlns:a="http://schemas.openxmlformats.org/drawingml/2006/main" name="Office 테마">
   <a:themeElements>

--- a/Android Studio/안드로이드 스튜디오 포스팅.pptx
+++ b/Android Studio/안드로이드 스튜디오 포스팅.pptx
@@ -248,7 +248,7 @@
           <a:p>
             <a:fld id="{8883B178-AA17-4286-8CA1-C19F35BAE2D9}" type="datetimeFigureOut">
               <a:rPr lang="ko-KR" altLang="en-US" smtClean="0"/>
-              <a:t>2020-04-30</a:t>
+              <a:t>2020-05-01</a:t>
             </a:fld>
             <a:endParaRPr lang="ko-KR" altLang="en-US"/>
           </a:p>
@@ -418,7 +418,7 @@
           <a:p>
             <a:fld id="{8883B178-AA17-4286-8CA1-C19F35BAE2D9}" type="datetimeFigureOut">
               <a:rPr lang="ko-KR" altLang="en-US" smtClean="0"/>
-              <a:t>2020-04-30</a:t>
+              <a:t>2020-05-01</a:t>
             </a:fld>
             <a:endParaRPr lang="ko-KR" altLang="en-US"/>
           </a:p>
@@ -598,7 +598,7 @@
           <a:p>
             <a:fld id="{8883B178-AA17-4286-8CA1-C19F35BAE2D9}" type="datetimeFigureOut">
               <a:rPr lang="ko-KR" altLang="en-US" smtClean="0"/>
-              <a:t>2020-04-30</a:t>
+              <a:t>2020-05-01</a:t>
             </a:fld>
             <a:endParaRPr lang="ko-KR" altLang="en-US"/>
           </a:p>
@@ -768,7 +768,7 @@
           <a:p>
             <a:fld id="{8883B178-AA17-4286-8CA1-C19F35BAE2D9}" type="datetimeFigureOut">
               <a:rPr lang="ko-KR" altLang="en-US" smtClean="0"/>
-              <a:t>2020-04-30</a:t>
+              <a:t>2020-05-01</a:t>
             </a:fld>
             <a:endParaRPr lang="ko-KR" altLang="en-US"/>
           </a:p>
@@ -1014,7 +1014,7 @@
           <a:p>
             <a:fld id="{8883B178-AA17-4286-8CA1-C19F35BAE2D9}" type="datetimeFigureOut">
               <a:rPr lang="ko-KR" altLang="en-US" smtClean="0"/>
-              <a:t>2020-04-30</a:t>
+              <a:t>2020-05-01</a:t>
             </a:fld>
             <a:endParaRPr lang="ko-KR" altLang="en-US"/>
           </a:p>
@@ -1246,7 +1246,7 @@
           <a:p>
             <a:fld id="{8883B178-AA17-4286-8CA1-C19F35BAE2D9}" type="datetimeFigureOut">
               <a:rPr lang="ko-KR" altLang="en-US" smtClean="0"/>
-              <a:t>2020-04-30</a:t>
+              <a:t>2020-05-01</a:t>
             </a:fld>
             <a:endParaRPr lang="ko-KR" altLang="en-US"/>
           </a:p>
@@ -1613,7 +1613,7 @@
           <a:p>
             <a:fld id="{8883B178-AA17-4286-8CA1-C19F35BAE2D9}" type="datetimeFigureOut">
               <a:rPr lang="ko-KR" altLang="en-US" smtClean="0"/>
-              <a:t>2020-04-30</a:t>
+              <a:t>2020-05-01</a:t>
             </a:fld>
             <a:endParaRPr lang="ko-KR" altLang="en-US"/>
           </a:p>
@@ -1731,7 +1731,7 @@
           <a:p>
             <a:fld id="{8883B178-AA17-4286-8CA1-C19F35BAE2D9}" type="datetimeFigureOut">
               <a:rPr lang="ko-KR" altLang="en-US" smtClean="0"/>
-              <a:t>2020-04-30</a:t>
+              <a:t>2020-05-01</a:t>
             </a:fld>
             <a:endParaRPr lang="ko-KR" altLang="en-US"/>
           </a:p>
@@ -1826,7 +1826,7 @@
           <a:p>
             <a:fld id="{8883B178-AA17-4286-8CA1-C19F35BAE2D9}" type="datetimeFigureOut">
               <a:rPr lang="ko-KR" altLang="en-US" smtClean="0"/>
-              <a:t>2020-04-30</a:t>
+              <a:t>2020-05-01</a:t>
             </a:fld>
             <a:endParaRPr lang="ko-KR" altLang="en-US"/>
           </a:p>
@@ -2103,7 +2103,7 @@
           <a:p>
             <a:fld id="{8883B178-AA17-4286-8CA1-C19F35BAE2D9}" type="datetimeFigureOut">
               <a:rPr lang="ko-KR" altLang="en-US" smtClean="0"/>
-              <a:t>2020-04-30</a:t>
+              <a:t>2020-05-01</a:t>
             </a:fld>
             <a:endParaRPr lang="ko-KR" altLang="en-US"/>
           </a:p>
@@ -2356,7 +2356,7 @@
           <a:p>
             <a:fld id="{8883B178-AA17-4286-8CA1-C19F35BAE2D9}" type="datetimeFigureOut">
               <a:rPr lang="ko-KR" altLang="en-US" smtClean="0"/>
-              <a:t>2020-04-30</a:t>
+              <a:t>2020-05-01</a:t>
             </a:fld>
             <a:endParaRPr lang="ko-KR" altLang="en-US"/>
           </a:p>
@@ -2569,7 +2569,7 @@
           <a:p>
             <a:fld id="{8883B178-AA17-4286-8CA1-C19F35BAE2D9}" type="datetimeFigureOut">
               <a:rPr lang="ko-KR" altLang="en-US" smtClean="0"/>
-              <a:t>2020-04-30</a:t>
+              <a:t>2020-05-01</a:t>
             </a:fld>
             <a:endParaRPr lang="ko-KR" altLang="en-US"/>
           </a:p>
@@ -3364,39 +3364,483 @@
       </p:grpSpPr>
       <p:sp>
         <p:nvSpPr>
-          <p:cNvPr id="2" name="제목 1"/>
-          <p:cNvSpPr>
-            <a:spLocks noGrp="1"/>
-          </p:cNvSpPr>
-          <p:nvPr>
-            <p:ph type="title"/>
-          </p:nvPr>
-        </p:nvSpPr>
-        <p:spPr/>
-        <p:txBody>
-          <a:bodyPr/>
-          <a:lstStyle/>
-          <a:p>
-            <a:endParaRPr lang="ko-KR" altLang="en-US"/>
-          </a:p>
-        </p:txBody>
-      </p:sp>
-      <p:sp>
-        <p:nvSpPr>
-          <p:cNvPr id="3" name="내용 개체 틀 2"/>
-          <p:cNvSpPr>
-            <a:spLocks noGrp="1"/>
-          </p:cNvSpPr>
-          <p:nvPr>
-            <p:ph idx="1"/>
-          </p:nvPr>
-        </p:nvSpPr>
-        <p:spPr/>
-        <p:txBody>
-          <a:bodyPr/>
-          <a:lstStyle/>
-          <a:p>
-            <a:endParaRPr lang="ko-KR" altLang="en-US"/>
+          <p:cNvPr id="4" name="모서리가 둥근 직사각형 3"/>
+          <p:cNvSpPr/>
+          <p:nvPr/>
+        </p:nvSpPr>
+        <p:spPr>
+          <a:xfrm>
+            <a:off x="3547533" y="922867"/>
+            <a:ext cx="3598334" cy="4936066"/>
+          </a:xfrm>
+          <a:prstGeom prst="roundRect">
+            <a:avLst/>
+          </a:prstGeom>
+          <a:solidFill>
+            <a:schemeClr val="accent1">
+              <a:lumMod val="40000"/>
+              <a:lumOff val="60000"/>
+            </a:schemeClr>
+          </a:solidFill>
+        </p:spPr>
+        <p:style>
+          <a:lnRef idx="2">
+            <a:schemeClr val="accent1">
+              <a:shade val="50000"/>
+            </a:schemeClr>
+          </a:lnRef>
+          <a:fillRef idx="1">
+            <a:schemeClr val="accent1"/>
+          </a:fillRef>
+          <a:effectRef idx="0">
+            <a:schemeClr val="accent1"/>
+          </a:effectRef>
+          <a:fontRef idx="minor">
+            <a:schemeClr val="lt1"/>
+          </a:fontRef>
+        </p:style>
+        <p:txBody>
+          <a:bodyPr rtlCol="0" anchor="ctr"/>
+          <a:lstStyle/>
+          <a:p>
+            <a:pPr algn="ctr"/>
+            <a:endParaRPr lang="ko-KR" altLang="en-US"/>
+          </a:p>
+        </p:txBody>
+      </p:sp>
+      <p:cxnSp>
+        <p:nvCxnSpPr>
+          <p:cNvPr id="6" name="직선 화살표 연결선 5"/>
+          <p:cNvCxnSpPr/>
+          <p:nvPr/>
+        </p:nvCxnSpPr>
+        <p:spPr>
+          <a:xfrm>
+            <a:off x="4106333" y="533400"/>
+            <a:ext cx="42334" cy="6011333"/>
+          </a:xfrm>
+          <a:prstGeom prst="straightConnector1">
+            <a:avLst/>
+          </a:prstGeom>
+          <a:ln w="28575">
+            <a:solidFill>
+              <a:schemeClr val="tx1"/>
+            </a:solidFill>
+            <a:headEnd type="triangle"/>
+            <a:tailEnd type="triangle"/>
+          </a:ln>
+        </p:spPr>
+        <p:style>
+          <a:lnRef idx="1">
+            <a:schemeClr val="accent1"/>
+          </a:lnRef>
+          <a:fillRef idx="0">
+            <a:schemeClr val="accent1"/>
+          </a:fillRef>
+          <a:effectRef idx="0">
+            <a:schemeClr val="accent1"/>
+          </a:effectRef>
+          <a:fontRef idx="minor">
+            <a:schemeClr val="tx1"/>
+          </a:fontRef>
+        </p:style>
+      </p:cxnSp>
+      <p:cxnSp>
+        <p:nvCxnSpPr>
+          <p:cNvPr id="9" name="직선 화살표 연결선 8"/>
+          <p:cNvCxnSpPr/>
+          <p:nvPr/>
+        </p:nvCxnSpPr>
+        <p:spPr>
+          <a:xfrm>
+            <a:off x="5350933" y="491066"/>
+            <a:ext cx="42334" cy="6011333"/>
+          </a:xfrm>
+          <a:prstGeom prst="straightConnector1">
+            <a:avLst/>
+          </a:prstGeom>
+          <a:ln w="28575">
+            <a:solidFill>
+              <a:schemeClr val="tx1"/>
+            </a:solidFill>
+            <a:headEnd type="triangle"/>
+            <a:tailEnd type="triangle"/>
+          </a:ln>
+        </p:spPr>
+        <p:style>
+          <a:lnRef idx="1">
+            <a:schemeClr val="accent1"/>
+          </a:lnRef>
+          <a:fillRef idx="0">
+            <a:schemeClr val="accent1"/>
+          </a:fillRef>
+          <a:effectRef idx="0">
+            <a:schemeClr val="accent1"/>
+          </a:effectRef>
+          <a:fontRef idx="minor">
+            <a:schemeClr val="tx1"/>
+          </a:fontRef>
+        </p:style>
+      </p:cxnSp>
+      <p:cxnSp>
+        <p:nvCxnSpPr>
+          <p:cNvPr id="10" name="직선 화살표 연결선 9"/>
+          <p:cNvCxnSpPr/>
+          <p:nvPr/>
+        </p:nvCxnSpPr>
+        <p:spPr>
+          <a:xfrm>
+            <a:off x="6620938" y="474134"/>
+            <a:ext cx="42334" cy="6011333"/>
+          </a:xfrm>
+          <a:prstGeom prst="straightConnector1">
+            <a:avLst/>
+          </a:prstGeom>
+          <a:ln w="28575">
+            <a:solidFill>
+              <a:schemeClr val="tx1"/>
+            </a:solidFill>
+            <a:headEnd type="triangle"/>
+            <a:tailEnd type="triangle"/>
+          </a:ln>
+        </p:spPr>
+        <p:style>
+          <a:lnRef idx="1">
+            <a:schemeClr val="accent1"/>
+          </a:lnRef>
+          <a:fillRef idx="0">
+            <a:schemeClr val="accent1"/>
+          </a:fillRef>
+          <a:effectRef idx="0">
+            <a:schemeClr val="accent1"/>
+          </a:effectRef>
+          <a:fontRef idx="minor">
+            <a:schemeClr val="tx1"/>
+          </a:fontRef>
+        </p:style>
+      </p:cxnSp>
+      <p:cxnSp>
+        <p:nvCxnSpPr>
+          <p:cNvPr id="13" name="직선 화살표 연결선 12"/>
+          <p:cNvCxnSpPr/>
+          <p:nvPr/>
+        </p:nvCxnSpPr>
+        <p:spPr>
+          <a:xfrm flipH="1">
+            <a:off x="2940052" y="1879600"/>
+            <a:ext cx="4906430" cy="21168"/>
+          </a:xfrm>
+          <a:prstGeom prst="straightConnector1">
+            <a:avLst/>
+          </a:prstGeom>
+          <a:ln w="28575">
+            <a:solidFill>
+              <a:schemeClr val="tx1"/>
+            </a:solidFill>
+            <a:headEnd type="triangle"/>
+            <a:tailEnd type="triangle"/>
+          </a:ln>
+        </p:spPr>
+        <p:style>
+          <a:lnRef idx="1">
+            <a:schemeClr val="accent1"/>
+          </a:lnRef>
+          <a:fillRef idx="0">
+            <a:schemeClr val="accent1"/>
+          </a:fillRef>
+          <a:effectRef idx="0">
+            <a:schemeClr val="accent1"/>
+          </a:effectRef>
+          <a:fontRef idx="minor">
+            <a:schemeClr val="tx1"/>
+          </a:fontRef>
+        </p:style>
+      </p:cxnSp>
+      <p:cxnSp>
+        <p:nvCxnSpPr>
+          <p:cNvPr id="17" name="직선 화살표 연결선 16"/>
+          <p:cNvCxnSpPr/>
+          <p:nvPr/>
+        </p:nvCxnSpPr>
+        <p:spPr>
+          <a:xfrm flipH="1">
+            <a:off x="2940052" y="5071533"/>
+            <a:ext cx="4906430" cy="21168"/>
+          </a:xfrm>
+          <a:prstGeom prst="straightConnector1">
+            <a:avLst/>
+          </a:prstGeom>
+          <a:ln w="28575">
+            <a:solidFill>
+              <a:schemeClr val="tx1"/>
+            </a:solidFill>
+            <a:headEnd type="triangle"/>
+            <a:tailEnd type="triangle"/>
+          </a:ln>
+        </p:spPr>
+        <p:style>
+          <a:lnRef idx="1">
+            <a:schemeClr val="accent1"/>
+          </a:lnRef>
+          <a:fillRef idx="0">
+            <a:schemeClr val="accent1"/>
+          </a:fillRef>
+          <a:effectRef idx="0">
+            <a:schemeClr val="accent1"/>
+          </a:effectRef>
+          <a:fontRef idx="minor">
+            <a:schemeClr val="tx1"/>
+          </a:fontRef>
+        </p:style>
+      </p:cxnSp>
+      <p:cxnSp>
+        <p:nvCxnSpPr>
+          <p:cNvPr id="18" name="직선 화살표 연결선 17"/>
+          <p:cNvCxnSpPr/>
+          <p:nvPr/>
+        </p:nvCxnSpPr>
+        <p:spPr>
+          <a:xfrm flipH="1">
+            <a:off x="2940052" y="3369732"/>
+            <a:ext cx="4906430" cy="21168"/>
+          </a:xfrm>
+          <a:prstGeom prst="straightConnector1">
+            <a:avLst/>
+          </a:prstGeom>
+          <a:ln w="28575">
+            <a:solidFill>
+              <a:schemeClr val="tx1"/>
+            </a:solidFill>
+            <a:headEnd type="triangle"/>
+            <a:tailEnd type="triangle"/>
+          </a:ln>
+        </p:spPr>
+        <p:style>
+          <a:lnRef idx="1">
+            <a:schemeClr val="accent1"/>
+          </a:lnRef>
+          <a:fillRef idx="0">
+            <a:schemeClr val="accent1"/>
+          </a:fillRef>
+          <a:effectRef idx="0">
+            <a:schemeClr val="accent1"/>
+          </a:effectRef>
+          <a:fontRef idx="minor">
+            <a:schemeClr val="tx1"/>
+          </a:fontRef>
+        </p:style>
+      </p:cxnSp>
+      <p:sp>
+        <p:nvSpPr>
+          <p:cNvPr id="19" name="TextBox 18"/>
+          <p:cNvSpPr txBox="1"/>
+          <p:nvPr/>
+        </p:nvSpPr>
+        <p:spPr>
+          <a:xfrm>
+            <a:off x="6642105" y="184666"/>
+            <a:ext cx="2635978" cy="369332"/>
+          </a:xfrm>
+          <a:prstGeom prst="rect">
+            <a:avLst/>
+          </a:prstGeom>
+          <a:noFill/>
+        </p:spPr>
+        <p:txBody>
+          <a:bodyPr wrap="none" rtlCol="0">
+            <a:spAutoFit/>
+          </a:bodyPr>
+          <a:lstStyle/>
+          <a:p>
+            <a:r>
+              <a:rPr lang="en-US" altLang="ko-KR" dirty="0" err="1"/>
+              <a:t>l</a:t>
+            </a:r>
+            <a:r>
+              <a:rPr lang="en-US" altLang="ko-KR" dirty="0" err="1" smtClean="0"/>
+              <a:t>ayout_alignParentRight</a:t>
+            </a:r>
+            <a:endParaRPr lang="ko-KR" altLang="en-US" dirty="0"/>
+          </a:p>
+        </p:txBody>
+      </p:sp>
+      <p:sp>
+        <p:nvSpPr>
+          <p:cNvPr id="20" name="TextBox 19"/>
+          <p:cNvSpPr txBox="1"/>
+          <p:nvPr/>
+        </p:nvSpPr>
+        <p:spPr>
+          <a:xfrm>
+            <a:off x="7846482" y="1653630"/>
+            <a:ext cx="2459584" cy="369332"/>
+          </a:xfrm>
+          <a:prstGeom prst="rect">
+            <a:avLst/>
+          </a:prstGeom>
+          <a:noFill/>
+        </p:spPr>
+        <p:txBody>
+          <a:bodyPr wrap="none" rtlCol="0">
+            <a:spAutoFit/>
+          </a:bodyPr>
+          <a:lstStyle/>
+          <a:p>
+            <a:r>
+              <a:rPr lang="en-US" altLang="ko-KR" dirty="0" err="1" smtClean="0"/>
+              <a:t>layout_alignParentTop</a:t>
+            </a:r>
+            <a:endParaRPr lang="en-US" altLang="ko-KR" dirty="0" smtClean="0"/>
+          </a:p>
+        </p:txBody>
+      </p:sp>
+      <p:sp>
+        <p:nvSpPr>
+          <p:cNvPr id="21" name="TextBox 20"/>
+          <p:cNvSpPr txBox="1"/>
+          <p:nvPr/>
+        </p:nvSpPr>
+        <p:spPr>
+          <a:xfrm>
+            <a:off x="7844361" y="3177915"/>
+            <a:ext cx="2335576" cy="369332"/>
+          </a:xfrm>
+          <a:prstGeom prst="rect">
+            <a:avLst/>
+          </a:prstGeom>
+          <a:noFill/>
+        </p:spPr>
+        <p:txBody>
+          <a:bodyPr wrap="none" rtlCol="0">
+            <a:spAutoFit/>
+          </a:bodyPr>
+          <a:lstStyle/>
+          <a:p>
+            <a:r>
+              <a:rPr lang="en-US" altLang="ko-KR" dirty="0" err="1" smtClean="0"/>
+              <a:t>layout_centerVertical</a:t>
+            </a:r>
+            <a:endParaRPr lang="en-US" altLang="ko-KR" dirty="0" smtClean="0"/>
+          </a:p>
+        </p:txBody>
+      </p:sp>
+      <p:sp>
+        <p:nvSpPr>
+          <p:cNvPr id="22" name="TextBox 21"/>
+          <p:cNvSpPr txBox="1"/>
+          <p:nvPr/>
+        </p:nvSpPr>
+        <p:spPr>
+          <a:xfrm>
+            <a:off x="7844361" y="4859864"/>
+            <a:ext cx="2858475" cy="369332"/>
+          </a:xfrm>
+          <a:prstGeom prst="rect">
+            <a:avLst/>
+          </a:prstGeom>
+          <a:noFill/>
+        </p:spPr>
+        <p:txBody>
+          <a:bodyPr wrap="none" rtlCol="0">
+            <a:spAutoFit/>
+          </a:bodyPr>
+          <a:lstStyle/>
+          <a:p>
+            <a:r>
+              <a:rPr lang="en-US" altLang="ko-KR" dirty="0" err="1" smtClean="0"/>
+              <a:t>layout_alignParentBottom</a:t>
+            </a:r>
+            <a:endParaRPr lang="en-US" altLang="ko-KR" dirty="0" smtClean="0"/>
+          </a:p>
+        </p:txBody>
+      </p:sp>
+      <p:sp>
+        <p:nvSpPr>
+          <p:cNvPr id="23" name="TextBox 22"/>
+          <p:cNvSpPr txBox="1"/>
+          <p:nvPr/>
+        </p:nvSpPr>
+        <p:spPr>
+          <a:xfrm>
+            <a:off x="1418133" y="174136"/>
+            <a:ext cx="2478564" cy="369332"/>
+          </a:xfrm>
+          <a:prstGeom prst="rect">
+            <a:avLst/>
+          </a:prstGeom>
+          <a:noFill/>
+        </p:spPr>
+        <p:txBody>
+          <a:bodyPr wrap="none" rtlCol="0">
+            <a:spAutoFit/>
+          </a:bodyPr>
+          <a:lstStyle/>
+          <a:p>
+            <a:r>
+              <a:rPr lang="en-US" altLang="ko-KR" dirty="0" err="1" smtClean="0"/>
+              <a:t>layout_alignParentLeft</a:t>
+            </a:r>
+            <a:endParaRPr lang="ko-KR" altLang="en-US" dirty="0"/>
+          </a:p>
+        </p:txBody>
+      </p:sp>
+      <p:sp>
+        <p:nvSpPr>
+          <p:cNvPr id="24" name="TextBox 23"/>
+          <p:cNvSpPr txBox="1"/>
+          <p:nvPr/>
+        </p:nvSpPr>
+        <p:spPr>
+          <a:xfrm>
+            <a:off x="4054111" y="-158840"/>
+            <a:ext cx="2648546" cy="369332"/>
+          </a:xfrm>
+          <a:prstGeom prst="rect">
+            <a:avLst/>
+          </a:prstGeom>
+          <a:noFill/>
+        </p:spPr>
+        <p:txBody>
+          <a:bodyPr wrap="none" rtlCol="0">
+            <a:spAutoFit/>
+          </a:bodyPr>
+          <a:lstStyle/>
+          <a:p>
+            <a:r>
+              <a:rPr lang="en-US" altLang="ko-KR" dirty="0" err="1" smtClean="0"/>
+              <a:t>layout_centerHorizontal</a:t>
+            </a:r>
+            <a:endParaRPr lang="ko-KR" altLang="en-US" dirty="0"/>
+          </a:p>
+        </p:txBody>
+      </p:sp>
+      <p:sp>
+        <p:nvSpPr>
+          <p:cNvPr id="25" name="TextBox 24"/>
+          <p:cNvSpPr txBox="1"/>
+          <p:nvPr/>
+        </p:nvSpPr>
+        <p:spPr>
+          <a:xfrm>
+            <a:off x="4148667" y="2960700"/>
+            <a:ext cx="2425664" cy="369332"/>
+          </a:xfrm>
+          <a:prstGeom prst="rect">
+            <a:avLst/>
+          </a:prstGeom>
+          <a:noFill/>
+        </p:spPr>
+        <p:txBody>
+          <a:bodyPr wrap="none" rtlCol="0">
+            <a:spAutoFit/>
+          </a:bodyPr>
+          <a:lstStyle/>
+          <a:p>
+            <a:r>
+              <a:rPr lang="en-US" altLang="ko-KR" dirty="0" err="1" smtClean="0"/>
+              <a:t>layout_centerInParent</a:t>
+            </a:r>
+            <a:endParaRPr lang="ko-KR" altLang="en-US" dirty="0"/>
           </a:p>
         </p:txBody>
       </p:sp>

--- a/Android Studio/안드로이드 스튜디오 포스팅.pptx
+++ b/Android Studio/안드로이드 스튜디오 포스팅.pptx
@@ -11,6 +11,13 @@
     <p:sldId id="259" r:id="rId5"/>
     <p:sldId id="260" r:id="rId6"/>
     <p:sldId id="261" r:id="rId7"/>
+    <p:sldId id="262" r:id="rId8"/>
+    <p:sldId id="263" r:id="rId9"/>
+    <p:sldId id="264" r:id="rId10"/>
+    <p:sldId id="265" r:id="rId11"/>
+    <p:sldId id="266" r:id="rId12"/>
+    <p:sldId id="267" r:id="rId13"/>
+    <p:sldId id="268" r:id="rId14"/>
   </p:sldIdLst>
   <p:sldSz cx="12192000" cy="6858000"/>
   <p:notesSz cx="6858000" cy="9144000"/>
@@ -248,7 +255,7 @@
           <a:p>
             <a:fld id="{8883B178-AA17-4286-8CA1-C19F35BAE2D9}" type="datetimeFigureOut">
               <a:rPr lang="ko-KR" altLang="en-US" smtClean="0"/>
-              <a:t>2020-05-01</a:t>
+              <a:t>2020-05-06</a:t>
             </a:fld>
             <a:endParaRPr lang="ko-KR" altLang="en-US"/>
           </a:p>
@@ -418,7 +425,7 @@
           <a:p>
             <a:fld id="{8883B178-AA17-4286-8CA1-C19F35BAE2D9}" type="datetimeFigureOut">
               <a:rPr lang="ko-KR" altLang="en-US" smtClean="0"/>
-              <a:t>2020-05-01</a:t>
+              <a:t>2020-05-06</a:t>
             </a:fld>
             <a:endParaRPr lang="ko-KR" altLang="en-US"/>
           </a:p>
@@ -598,7 +605,7 @@
           <a:p>
             <a:fld id="{8883B178-AA17-4286-8CA1-C19F35BAE2D9}" type="datetimeFigureOut">
               <a:rPr lang="ko-KR" altLang="en-US" smtClean="0"/>
-              <a:t>2020-05-01</a:t>
+              <a:t>2020-05-06</a:t>
             </a:fld>
             <a:endParaRPr lang="ko-KR" altLang="en-US"/>
           </a:p>
@@ -768,7 +775,7 @@
           <a:p>
             <a:fld id="{8883B178-AA17-4286-8CA1-C19F35BAE2D9}" type="datetimeFigureOut">
               <a:rPr lang="ko-KR" altLang="en-US" smtClean="0"/>
-              <a:t>2020-05-01</a:t>
+              <a:t>2020-05-06</a:t>
             </a:fld>
             <a:endParaRPr lang="ko-KR" altLang="en-US"/>
           </a:p>
@@ -1014,7 +1021,7 @@
           <a:p>
             <a:fld id="{8883B178-AA17-4286-8CA1-C19F35BAE2D9}" type="datetimeFigureOut">
               <a:rPr lang="ko-KR" altLang="en-US" smtClean="0"/>
-              <a:t>2020-05-01</a:t>
+              <a:t>2020-05-06</a:t>
             </a:fld>
             <a:endParaRPr lang="ko-KR" altLang="en-US"/>
           </a:p>
@@ -1246,7 +1253,7 @@
           <a:p>
             <a:fld id="{8883B178-AA17-4286-8CA1-C19F35BAE2D9}" type="datetimeFigureOut">
               <a:rPr lang="ko-KR" altLang="en-US" smtClean="0"/>
-              <a:t>2020-05-01</a:t>
+              <a:t>2020-05-06</a:t>
             </a:fld>
             <a:endParaRPr lang="ko-KR" altLang="en-US"/>
           </a:p>
@@ -1613,7 +1620,7 @@
           <a:p>
             <a:fld id="{8883B178-AA17-4286-8CA1-C19F35BAE2D9}" type="datetimeFigureOut">
               <a:rPr lang="ko-KR" altLang="en-US" smtClean="0"/>
-              <a:t>2020-05-01</a:t>
+              <a:t>2020-05-06</a:t>
             </a:fld>
             <a:endParaRPr lang="ko-KR" altLang="en-US"/>
           </a:p>
@@ -1731,7 +1738,7 @@
           <a:p>
             <a:fld id="{8883B178-AA17-4286-8CA1-C19F35BAE2D9}" type="datetimeFigureOut">
               <a:rPr lang="ko-KR" altLang="en-US" smtClean="0"/>
-              <a:t>2020-05-01</a:t>
+              <a:t>2020-05-06</a:t>
             </a:fld>
             <a:endParaRPr lang="ko-KR" altLang="en-US"/>
           </a:p>
@@ -1826,7 +1833,7 @@
           <a:p>
             <a:fld id="{8883B178-AA17-4286-8CA1-C19F35BAE2D9}" type="datetimeFigureOut">
               <a:rPr lang="ko-KR" altLang="en-US" smtClean="0"/>
-              <a:t>2020-05-01</a:t>
+              <a:t>2020-05-06</a:t>
             </a:fld>
             <a:endParaRPr lang="ko-KR" altLang="en-US"/>
           </a:p>
@@ -2103,7 +2110,7 @@
           <a:p>
             <a:fld id="{8883B178-AA17-4286-8CA1-C19F35BAE2D9}" type="datetimeFigureOut">
               <a:rPr lang="ko-KR" altLang="en-US" smtClean="0"/>
-              <a:t>2020-05-01</a:t>
+              <a:t>2020-05-06</a:t>
             </a:fld>
             <a:endParaRPr lang="ko-KR" altLang="en-US"/>
           </a:p>
@@ -2356,7 +2363,7 @@
           <a:p>
             <a:fld id="{8883B178-AA17-4286-8CA1-C19F35BAE2D9}" type="datetimeFigureOut">
               <a:rPr lang="ko-KR" altLang="en-US" smtClean="0"/>
-              <a:t>2020-05-01</a:t>
+              <a:t>2020-05-06</a:t>
             </a:fld>
             <a:endParaRPr lang="ko-KR" altLang="en-US"/>
           </a:p>
@@ -2569,7 +2576,7 @@
           <a:p>
             <a:fld id="{8883B178-AA17-4286-8CA1-C19F35BAE2D9}" type="datetimeFigureOut">
               <a:rPr lang="ko-KR" altLang="en-US" smtClean="0"/>
-              <a:t>2020-05-01</a:t>
+              <a:t>2020-05-06</a:t>
             </a:fld>
             <a:endParaRPr lang="ko-KR" altLang="en-US"/>
           </a:p>
@@ -3118,6 +3125,126 @@
 </p:sld>
 </file>
 
+<file path=ppt/slides/slide10.xml><?xml version="1.0" encoding="utf-8"?>
+<p:sld xmlns:a="http://schemas.openxmlformats.org/drawingml/2006/main" xmlns:r="http://schemas.openxmlformats.org/officeDocument/2006/relationships" xmlns:p="http://schemas.openxmlformats.org/presentationml/2006/main">
+  <p:cSld>
+    <p:spTree>
+      <p:nvGrpSpPr>
+        <p:cNvPr id="1" name=""/>
+        <p:cNvGrpSpPr/>
+        <p:nvPr/>
+      </p:nvGrpSpPr>
+      <p:grpSpPr>
+        <a:xfrm>
+          <a:off x="0" y="0"/>
+          <a:ext cx="0" cy="0"/>
+          <a:chOff x="0" y="0"/>
+          <a:chExt cx="0" cy="0"/>
+        </a:xfrm>
+      </p:grpSpPr>
+    </p:spTree>
+    <p:extLst>
+      <p:ext uri="{BB962C8B-B14F-4D97-AF65-F5344CB8AC3E}">
+        <p14:creationId xmlns:p14="http://schemas.microsoft.com/office/powerpoint/2010/main" val="4089627113"/>
+      </p:ext>
+    </p:extLst>
+  </p:cSld>
+  <p:clrMapOvr>
+    <a:masterClrMapping/>
+  </p:clrMapOvr>
+</p:sld>
+</file>
+
+<file path=ppt/slides/slide11.xml><?xml version="1.0" encoding="utf-8"?>
+<p:sld xmlns:a="http://schemas.openxmlformats.org/drawingml/2006/main" xmlns:r="http://schemas.openxmlformats.org/officeDocument/2006/relationships" xmlns:p="http://schemas.openxmlformats.org/presentationml/2006/main">
+  <p:cSld>
+    <p:spTree>
+      <p:nvGrpSpPr>
+        <p:cNvPr id="1" name=""/>
+        <p:cNvGrpSpPr/>
+        <p:nvPr/>
+      </p:nvGrpSpPr>
+      <p:grpSpPr>
+        <a:xfrm>
+          <a:off x="0" y="0"/>
+          <a:ext cx="0" cy="0"/>
+          <a:chOff x="0" y="0"/>
+          <a:chExt cx="0" cy="0"/>
+        </a:xfrm>
+      </p:grpSpPr>
+    </p:spTree>
+    <p:extLst>
+      <p:ext uri="{BB962C8B-B14F-4D97-AF65-F5344CB8AC3E}">
+        <p14:creationId xmlns:p14="http://schemas.microsoft.com/office/powerpoint/2010/main" val="3141452486"/>
+      </p:ext>
+    </p:extLst>
+  </p:cSld>
+  <p:clrMapOvr>
+    <a:masterClrMapping/>
+  </p:clrMapOvr>
+</p:sld>
+</file>
+
+<file path=ppt/slides/slide12.xml><?xml version="1.0" encoding="utf-8"?>
+<p:sld xmlns:a="http://schemas.openxmlformats.org/drawingml/2006/main" xmlns:r="http://schemas.openxmlformats.org/officeDocument/2006/relationships" xmlns:p="http://schemas.openxmlformats.org/presentationml/2006/main">
+  <p:cSld>
+    <p:spTree>
+      <p:nvGrpSpPr>
+        <p:cNvPr id="1" name=""/>
+        <p:cNvGrpSpPr/>
+        <p:nvPr/>
+      </p:nvGrpSpPr>
+      <p:grpSpPr>
+        <a:xfrm>
+          <a:off x="0" y="0"/>
+          <a:ext cx="0" cy="0"/>
+          <a:chOff x="0" y="0"/>
+          <a:chExt cx="0" cy="0"/>
+        </a:xfrm>
+      </p:grpSpPr>
+    </p:spTree>
+    <p:extLst>
+      <p:ext uri="{BB962C8B-B14F-4D97-AF65-F5344CB8AC3E}">
+        <p14:creationId xmlns:p14="http://schemas.microsoft.com/office/powerpoint/2010/main" val="2603171360"/>
+      </p:ext>
+    </p:extLst>
+  </p:cSld>
+  <p:clrMapOvr>
+    <a:masterClrMapping/>
+  </p:clrMapOvr>
+</p:sld>
+</file>
+
+<file path=ppt/slides/slide13.xml><?xml version="1.0" encoding="utf-8"?>
+<p:sld xmlns:a="http://schemas.openxmlformats.org/drawingml/2006/main" xmlns:r="http://schemas.openxmlformats.org/officeDocument/2006/relationships" xmlns:p="http://schemas.openxmlformats.org/presentationml/2006/main">
+  <p:cSld>
+    <p:spTree>
+      <p:nvGrpSpPr>
+        <p:cNvPr id="1" name=""/>
+        <p:cNvGrpSpPr/>
+        <p:nvPr/>
+      </p:nvGrpSpPr>
+      <p:grpSpPr>
+        <a:xfrm>
+          <a:off x="0" y="0"/>
+          <a:ext cx="0" cy="0"/>
+          <a:chOff x="0" y="0"/>
+          <a:chExt cx="0" cy="0"/>
+        </a:xfrm>
+      </p:grpSpPr>
+    </p:spTree>
+    <p:extLst>
+      <p:ext uri="{BB962C8B-B14F-4D97-AF65-F5344CB8AC3E}">
+        <p14:creationId xmlns:p14="http://schemas.microsoft.com/office/powerpoint/2010/main" val="2547629224"/>
+      </p:ext>
+    </p:extLst>
+  </p:cSld>
+  <p:clrMapOvr>
+    <a:masterClrMapping/>
+  </p:clrMapOvr>
+</p:sld>
+</file>
+
 <file path=ppt/slides/slide2.xml><?xml version="1.0" encoding="utf-8"?>
 <p:sld xmlns:a="http://schemas.openxmlformats.org/drawingml/2006/main" xmlns:r="http://schemas.openxmlformats.org/officeDocument/2006/relationships" xmlns:p="http://schemas.openxmlformats.org/presentationml/2006/main">
   <p:cSld>
@@ -3222,7 +3349,7 @@
         </p:blipFill>
         <p:spPr>
           <a:xfrm>
-            <a:off x="5805050" y="437774"/>
+            <a:off x="877449" y="-301136"/>
             <a:ext cx="2766300" cy="4770533"/>
           </a:xfrm>
           <a:prstGeom prst="rect">
@@ -3246,7 +3373,7 @@
         </p:blipFill>
         <p:spPr>
           <a:xfrm>
-            <a:off x="1338021" y="1961905"/>
+            <a:off x="917766" y="1901868"/>
             <a:ext cx="3132091" cy="1722269"/>
           </a:xfrm>
           <a:prstGeom prst="rect">
@@ -3254,6 +3381,122 @@
           </a:prstGeom>
         </p:spPr>
       </p:pic>
+      <p:pic>
+        <p:nvPicPr>
+          <p:cNvPr id="2" name="그림 1"/>
+          <p:cNvPicPr>
+            <a:picLocks noChangeAspect="1"/>
+          </p:cNvPicPr>
+          <p:nvPr/>
+        </p:nvPicPr>
+        <p:blipFill>
+          <a:blip r:embed="rId4"/>
+          <a:stretch>
+            <a:fillRect/>
+          </a:stretch>
+        </p:blipFill>
+        <p:spPr>
+          <a:xfrm>
+            <a:off x="4818372" y="0"/>
+            <a:ext cx="5584785" cy="6858000"/>
+          </a:xfrm>
+          <a:prstGeom prst="rect">
+            <a:avLst/>
+          </a:prstGeom>
+        </p:spPr>
+      </p:pic>
+      <p:sp>
+        <p:nvSpPr>
+          <p:cNvPr id="7" name="직사각형 6"/>
+          <p:cNvSpPr/>
+          <p:nvPr/>
+        </p:nvSpPr>
+        <p:spPr>
+          <a:xfrm>
+            <a:off x="8377382" y="868218"/>
+            <a:ext cx="1741054" cy="789709"/>
+          </a:xfrm>
+          <a:prstGeom prst="rect">
+            <a:avLst/>
+          </a:prstGeom>
+          <a:noFill/>
+          <a:ln w="28575">
+            <a:solidFill>
+              <a:srgbClr val="FF0000"/>
+            </a:solidFill>
+          </a:ln>
+        </p:spPr>
+        <p:style>
+          <a:lnRef idx="2">
+            <a:schemeClr val="accent1">
+              <a:shade val="50000"/>
+            </a:schemeClr>
+          </a:lnRef>
+          <a:fillRef idx="1">
+            <a:schemeClr val="accent1"/>
+          </a:fillRef>
+          <a:effectRef idx="0">
+            <a:schemeClr val="accent1"/>
+          </a:effectRef>
+          <a:fontRef idx="minor">
+            <a:schemeClr val="lt1"/>
+          </a:fontRef>
+        </p:style>
+        <p:txBody>
+          <a:bodyPr rtlCol="0" anchor="ctr"/>
+          <a:lstStyle/>
+          <a:p>
+            <a:pPr algn="ctr"/>
+            <a:endParaRPr lang="ko-KR" altLang="en-US"/>
+          </a:p>
+        </p:txBody>
+      </p:sp>
+      <p:sp>
+        <p:nvSpPr>
+          <p:cNvPr id="8" name="직사각형 7"/>
+          <p:cNvSpPr/>
+          <p:nvPr/>
+        </p:nvSpPr>
+        <p:spPr>
+          <a:xfrm>
+            <a:off x="8377381" y="3679688"/>
+            <a:ext cx="1911927" cy="789709"/>
+          </a:xfrm>
+          <a:prstGeom prst="rect">
+            <a:avLst/>
+          </a:prstGeom>
+          <a:noFill/>
+          <a:ln w="28575">
+            <a:solidFill>
+              <a:srgbClr val="FF0000"/>
+            </a:solidFill>
+          </a:ln>
+        </p:spPr>
+        <p:style>
+          <a:lnRef idx="2">
+            <a:schemeClr val="accent1">
+              <a:shade val="50000"/>
+            </a:schemeClr>
+          </a:lnRef>
+          <a:fillRef idx="1">
+            <a:schemeClr val="accent1"/>
+          </a:fillRef>
+          <a:effectRef idx="0">
+            <a:schemeClr val="accent1"/>
+          </a:effectRef>
+          <a:fontRef idx="minor">
+            <a:schemeClr val="lt1"/>
+          </a:fontRef>
+        </p:style>
+        <p:txBody>
+          <a:bodyPr rtlCol="0" anchor="ctr"/>
+          <a:lstStyle/>
+          <a:p>
+            <a:pPr algn="ctr"/>
+            <a:endParaRPr lang="ko-KR" altLang="en-US"/>
+          </a:p>
+        </p:txBody>
+      </p:sp>
     </p:spTree>
     <p:extLst>
       <p:ext uri="{BB962C8B-B14F-4D97-AF65-F5344CB8AC3E}">
@@ -3300,7 +3543,7 @@
         </p:blipFill>
         <p:spPr>
           <a:xfrm>
-            <a:off x="6148380" y="2568331"/>
+            <a:off x="1142271" y="102222"/>
             <a:ext cx="2621507" cy="739204"/>
           </a:xfrm>
           <a:prstGeom prst="rect">
@@ -3324,7 +3567,7 @@
         </p:blipFill>
         <p:spPr>
           <a:xfrm>
-            <a:off x="1789686" y="2678831"/>
+            <a:off x="856814" y="841426"/>
             <a:ext cx="3871295" cy="518205"/>
           </a:xfrm>
           <a:prstGeom prst="rect">
@@ -3332,6 +3575,146 @@
           </a:prstGeom>
         </p:spPr>
       </p:pic>
+      <p:pic>
+        <p:nvPicPr>
+          <p:cNvPr id="2" name="그림 1"/>
+          <p:cNvPicPr>
+            <a:picLocks noChangeAspect="1"/>
+          </p:cNvPicPr>
+          <p:nvPr/>
+        </p:nvPicPr>
+        <p:blipFill>
+          <a:blip r:embed="rId4"/>
+          <a:stretch>
+            <a:fillRect/>
+          </a:stretch>
+        </p:blipFill>
+        <p:spPr>
+          <a:xfrm>
+            <a:off x="401783" y="1580630"/>
+            <a:ext cx="4477375" cy="2314898"/>
+          </a:xfrm>
+          <a:prstGeom prst="rect">
+            <a:avLst/>
+          </a:prstGeom>
+        </p:spPr>
+      </p:pic>
+      <p:sp>
+        <p:nvSpPr>
+          <p:cNvPr id="7" name="직사각형 6"/>
+          <p:cNvSpPr/>
+          <p:nvPr/>
+        </p:nvSpPr>
+        <p:spPr>
+          <a:xfrm>
+            <a:off x="3265054" y="5266534"/>
+            <a:ext cx="1865745" cy="364836"/>
+          </a:xfrm>
+          <a:prstGeom prst="rect">
+            <a:avLst/>
+          </a:prstGeom>
+          <a:noFill/>
+          <a:ln w="28575">
+            <a:solidFill>
+              <a:srgbClr val="FF0000"/>
+            </a:solidFill>
+          </a:ln>
+        </p:spPr>
+        <p:style>
+          <a:lnRef idx="2">
+            <a:schemeClr val="accent1">
+              <a:shade val="50000"/>
+            </a:schemeClr>
+          </a:lnRef>
+          <a:fillRef idx="1">
+            <a:schemeClr val="accent1"/>
+          </a:fillRef>
+          <a:effectRef idx="0">
+            <a:schemeClr val="accent1"/>
+          </a:effectRef>
+          <a:fontRef idx="minor">
+            <a:schemeClr val="lt1"/>
+          </a:fontRef>
+        </p:style>
+        <p:txBody>
+          <a:bodyPr rtlCol="0" anchor="ctr"/>
+          <a:lstStyle/>
+          <a:p>
+            <a:pPr algn="ctr"/>
+            <a:endParaRPr lang="ko-KR" altLang="en-US"/>
+          </a:p>
+        </p:txBody>
+      </p:sp>
+      <p:pic>
+        <p:nvPicPr>
+          <p:cNvPr id="8" name="그림 7"/>
+          <p:cNvPicPr>
+            <a:picLocks noChangeAspect="1"/>
+          </p:cNvPicPr>
+          <p:nvPr/>
+        </p:nvPicPr>
+        <p:blipFill>
+          <a:blip r:embed="rId5"/>
+          <a:stretch>
+            <a:fillRect/>
+          </a:stretch>
+        </p:blipFill>
+        <p:spPr>
+          <a:xfrm>
+            <a:off x="5425776" y="1100528"/>
+            <a:ext cx="4286848" cy="3238952"/>
+          </a:xfrm>
+          <a:prstGeom prst="rect">
+            <a:avLst/>
+          </a:prstGeom>
+        </p:spPr>
+      </p:pic>
+      <p:sp>
+        <p:nvSpPr>
+          <p:cNvPr id="9" name="직사각형 8"/>
+          <p:cNvSpPr/>
+          <p:nvPr/>
+        </p:nvSpPr>
+        <p:spPr>
+          <a:xfrm>
+            <a:off x="5703455" y="2786569"/>
+            <a:ext cx="2937163" cy="1189685"/>
+          </a:xfrm>
+          <a:prstGeom prst="rect">
+            <a:avLst/>
+          </a:prstGeom>
+          <a:noFill/>
+          <a:ln w="28575">
+            <a:solidFill>
+              <a:srgbClr val="FF0000"/>
+            </a:solidFill>
+          </a:ln>
+        </p:spPr>
+        <p:style>
+          <a:lnRef idx="2">
+            <a:schemeClr val="accent1">
+              <a:shade val="50000"/>
+            </a:schemeClr>
+          </a:lnRef>
+          <a:fillRef idx="1">
+            <a:schemeClr val="accent1"/>
+          </a:fillRef>
+          <a:effectRef idx="0">
+            <a:schemeClr val="accent1"/>
+          </a:effectRef>
+          <a:fontRef idx="minor">
+            <a:schemeClr val="lt1"/>
+          </a:fontRef>
+        </p:style>
+        <p:txBody>
+          <a:bodyPr rtlCol="0" anchor="ctr"/>
+          <a:lstStyle/>
+          <a:p>
+            <a:pPr algn="ctr"/>
+            <a:endParaRPr lang="ko-KR" altLang="en-US"/>
+          </a:p>
+        </p:txBody>
+      </p:sp>
     </p:spTree>
     <p:extLst>
       <p:ext uri="{BB962C8B-B14F-4D97-AF65-F5344CB8AC3E}">
@@ -3874,48 +4257,100 @@
           <a:chExt cx="0" cy="0"/>
         </a:xfrm>
       </p:grpSpPr>
-      <p:sp>
-        <p:nvSpPr>
-          <p:cNvPr id="2" name="제목 1"/>
-          <p:cNvSpPr>
-            <a:spLocks noGrp="1"/>
-          </p:cNvSpPr>
-          <p:nvPr>
-            <p:ph type="title"/>
-          </p:nvPr>
-        </p:nvSpPr>
-        <p:spPr/>
-        <p:txBody>
-          <a:bodyPr/>
-          <a:lstStyle/>
-          <a:p>
-            <a:endParaRPr lang="ko-KR" altLang="en-US"/>
-          </a:p>
-        </p:txBody>
-      </p:sp>
-      <p:sp>
-        <p:nvSpPr>
-          <p:cNvPr id="3" name="내용 개체 틀 2"/>
-          <p:cNvSpPr>
-            <a:spLocks noGrp="1"/>
-          </p:cNvSpPr>
-          <p:nvPr>
-            <p:ph idx="1"/>
-          </p:nvPr>
-        </p:nvSpPr>
-        <p:spPr/>
-        <p:txBody>
-          <a:bodyPr/>
-          <a:lstStyle/>
-          <a:p>
-            <a:endParaRPr lang="ko-KR" altLang="en-US"/>
-          </a:p>
-        </p:txBody>
-      </p:sp>
     </p:spTree>
     <p:extLst>
       <p:ext uri="{BB962C8B-B14F-4D97-AF65-F5344CB8AC3E}">
         <p14:creationId xmlns:p14="http://schemas.microsoft.com/office/powerpoint/2010/main" val="2851402739"/>
+      </p:ext>
+    </p:extLst>
+  </p:cSld>
+  <p:clrMapOvr>
+    <a:masterClrMapping/>
+  </p:clrMapOvr>
+</p:sld>
+</file>
+
+<file path=ppt/slides/slide7.xml><?xml version="1.0" encoding="utf-8"?>
+<p:sld xmlns:a="http://schemas.openxmlformats.org/drawingml/2006/main" xmlns:r="http://schemas.openxmlformats.org/officeDocument/2006/relationships" xmlns:p="http://schemas.openxmlformats.org/presentationml/2006/main">
+  <p:cSld>
+    <p:spTree>
+      <p:nvGrpSpPr>
+        <p:cNvPr id="1" name=""/>
+        <p:cNvGrpSpPr/>
+        <p:nvPr/>
+      </p:nvGrpSpPr>
+      <p:grpSpPr>
+        <a:xfrm>
+          <a:off x="0" y="0"/>
+          <a:ext cx="0" cy="0"/>
+          <a:chOff x="0" y="0"/>
+          <a:chExt cx="0" cy="0"/>
+        </a:xfrm>
+      </p:grpSpPr>
+    </p:spTree>
+    <p:extLst>
+      <p:ext uri="{BB962C8B-B14F-4D97-AF65-F5344CB8AC3E}">
+        <p14:creationId xmlns:p14="http://schemas.microsoft.com/office/powerpoint/2010/main" val="752540047"/>
+      </p:ext>
+    </p:extLst>
+  </p:cSld>
+  <p:clrMapOvr>
+    <a:masterClrMapping/>
+  </p:clrMapOvr>
+</p:sld>
+</file>
+
+<file path=ppt/slides/slide8.xml><?xml version="1.0" encoding="utf-8"?>
+<p:sld xmlns:a="http://schemas.openxmlformats.org/drawingml/2006/main" xmlns:r="http://schemas.openxmlformats.org/officeDocument/2006/relationships" xmlns:p="http://schemas.openxmlformats.org/presentationml/2006/main">
+  <p:cSld>
+    <p:spTree>
+      <p:nvGrpSpPr>
+        <p:cNvPr id="1" name=""/>
+        <p:cNvGrpSpPr/>
+        <p:nvPr/>
+      </p:nvGrpSpPr>
+      <p:grpSpPr>
+        <a:xfrm>
+          <a:off x="0" y="0"/>
+          <a:ext cx="0" cy="0"/>
+          <a:chOff x="0" y="0"/>
+          <a:chExt cx="0" cy="0"/>
+        </a:xfrm>
+      </p:grpSpPr>
+    </p:spTree>
+    <p:extLst>
+      <p:ext uri="{BB962C8B-B14F-4D97-AF65-F5344CB8AC3E}">
+        <p14:creationId xmlns:p14="http://schemas.microsoft.com/office/powerpoint/2010/main" val="2120063750"/>
+      </p:ext>
+    </p:extLst>
+  </p:cSld>
+  <p:clrMapOvr>
+    <a:masterClrMapping/>
+  </p:clrMapOvr>
+</p:sld>
+</file>
+
+<file path=ppt/slides/slide9.xml><?xml version="1.0" encoding="utf-8"?>
+<p:sld xmlns:a="http://schemas.openxmlformats.org/drawingml/2006/main" xmlns:r="http://schemas.openxmlformats.org/officeDocument/2006/relationships" xmlns:p="http://schemas.openxmlformats.org/presentationml/2006/main">
+  <p:cSld>
+    <p:spTree>
+      <p:nvGrpSpPr>
+        <p:cNvPr id="1" name=""/>
+        <p:cNvGrpSpPr/>
+        <p:nvPr/>
+      </p:nvGrpSpPr>
+      <p:grpSpPr>
+        <a:xfrm>
+          <a:off x="0" y="0"/>
+          <a:ext cx="0" cy="0"/>
+          <a:chOff x="0" y="0"/>
+          <a:chExt cx="0" cy="0"/>
+        </a:xfrm>
+      </p:grpSpPr>
+    </p:spTree>
+    <p:extLst>
+      <p:ext uri="{BB962C8B-B14F-4D97-AF65-F5344CB8AC3E}">
+        <p14:creationId xmlns:p14="http://schemas.microsoft.com/office/powerpoint/2010/main" val="1761761084"/>
       </p:ext>
     </p:extLst>
   </p:cSld>

--- a/Android Studio/안드로이드 스튜디오 포스팅.pptx
+++ b/Android Studio/안드로이드 스튜디오 포스팅.pptx
@@ -255,7 +255,7 @@
           <a:p>
             <a:fld id="{8883B178-AA17-4286-8CA1-C19F35BAE2D9}" type="datetimeFigureOut">
               <a:rPr lang="ko-KR" altLang="en-US" smtClean="0"/>
-              <a:t>2020-05-06</a:t>
+              <a:t>2020-05-25</a:t>
             </a:fld>
             <a:endParaRPr lang="ko-KR" altLang="en-US"/>
           </a:p>
@@ -425,7 +425,7 @@
           <a:p>
             <a:fld id="{8883B178-AA17-4286-8CA1-C19F35BAE2D9}" type="datetimeFigureOut">
               <a:rPr lang="ko-KR" altLang="en-US" smtClean="0"/>
-              <a:t>2020-05-06</a:t>
+              <a:t>2020-05-25</a:t>
             </a:fld>
             <a:endParaRPr lang="ko-KR" altLang="en-US"/>
           </a:p>
@@ -605,7 +605,7 @@
           <a:p>
             <a:fld id="{8883B178-AA17-4286-8CA1-C19F35BAE2D9}" type="datetimeFigureOut">
               <a:rPr lang="ko-KR" altLang="en-US" smtClean="0"/>
-              <a:t>2020-05-06</a:t>
+              <a:t>2020-05-25</a:t>
             </a:fld>
             <a:endParaRPr lang="ko-KR" altLang="en-US"/>
           </a:p>
@@ -775,7 +775,7 @@
           <a:p>
             <a:fld id="{8883B178-AA17-4286-8CA1-C19F35BAE2D9}" type="datetimeFigureOut">
               <a:rPr lang="ko-KR" altLang="en-US" smtClean="0"/>
-              <a:t>2020-05-06</a:t>
+              <a:t>2020-05-25</a:t>
             </a:fld>
             <a:endParaRPr lang="ko-KR" altLang="en-US"/>
           </a:p>
@@ -1021,7 +1021,7 @@
           <a:p>
             <a:fld id="{8883B178-AA17-4286-8CA1-C19F35BAE2D9}" type="datetimeFigureOut">
               <a:rPr lang="ko-KR" altLang="en-US" smtClean="0"/>
-              <a:t>2020-05-06</a:t>
+              <a:t>2020-05-25</a:t>
             </a:fld>
             <a:endParaRPr lang="ko-KR" altLang="en-US"/>
           </a:p>
@@ -1253,7 +1253,7 @@
           <a:p>
             <a:fld id="{8883B178-AA17-4286-8CA1-C19F35BAE2D9}" type="datetimeFigureOut">
               <a:rPr lang="ko-KR" altLang="en-US" smtClean="0"/>
-              <a:t>2020-05-06</a:t>
+              <a:t>2020-05-25</a:t>
             </a:fld>
             <a:endParaRPr lang="ko-KR" altLang="en-US"/>
           </a:p>
@@ -1620,7 +1620,7 @@
           <a:p>
             <a:fld id="{8883B178-AA17-4286-8CA1-C19F35BAE2D9}" type="datetimeFigureOut">
               <a:rPr lang="ko-KR" altLang="en-US" smtClean="0"/>
-              <a:t>2020-05-06</a:t>
+              <a:t>2020-05-25</a:t>
             </a:fld>
             <a:endParaRPr lang="ko-KR" altLang="en-US"/>
           </a:p>
@@ -1738,7 +1738,7 @@
           <a:p>
             <a:fld id="{8883B178-AA17-4286-8CA1-C19F35BAE2D9}" type="datetimeFigureOut">
               <a:rPr lang="ko-KR" altLang="en-US" smtClean="0"/>
-              <a:t>2020-05-06</a:t>
+              <a:t>2020-05-25</a:t>
             </a:fld>
             <a:endParaRPr lang="ko-KR" altLang="en-US"/>
           </a:p>
@@ -1833,7 +1833,7 @@
           <a:p>
             <a:fld id="{8883B178-AA17-4286-8CA1-C19F35BAE2D9}" type="datetimeFigureOut">
               <a:rPr lang="ko-KR" altLang="en-US" smtClean="0"/>
-              <a:t>2020-05-06</a:t>
+              <a:t>2020-05-25</a:t>
             </a:fld>
             <a:endParaRPr lang="ko-KR" altLang="en-US"/>
           </a:p>
@@ -2110,7 +2110,7 @@
           <a:p>
             <a:fld id="{8883B178-AA17-4286-8CA1-C19F35BAE2D9}" type="datetimeFigureOut">
               <a:rPr lang="ko-KR" altLang="en-US" smtClean="0"/>
-              <a:t>2020-05-06</a:t>
+              <a:t>2020-05-25</a:t>
             </a:fld>
             <a:endParaRPr lang="ko-KR" altLang="en-US"/>
           </a:p>
@@ -2363,7 +2363,7 @@
           <a:p>
             <a:fld id="{8883B178-AA17-4286-8CA1-C19F35BAE2D9}" type="datetimeFigureOut">
               <a:rPr lang="ko-KR" altLang="en-US" smtClean="0"/>
-              <a:t>2020-05-06</a:t>
+              <a:t>2020-05-25</a:t>
             </a:fld>
             <a:endParaRPr lang="ko-KR" altLang="en-US"/>
           </a:p>
@@ -2576,7 +2576,7 @@
           <a:p>
             <a:fld id="{8883B178-AA17-4286-8CA1-C19F35BAE2D9}" type="datetimeFigureOut">
               <a:rPr lang="ko-KR" altLang="en-US" smtClean="0"/>
-              <a:t>2020-05-06</a:t>
+              <a:t>2020-05-25</a:t>
             </a:fld>
             <a:endParaRPr lang="ko-KR" altLang="en-US"/>
           </a:p>
@@ -4257,6 +4257,103 @@
           <a:chExt cx="0" cy="0"/>
         </a:xfrm>
       </p:grpSpPr>
+      <p:pic>
+        <p:nvPicPr>
+          <p:cNvPr id="2" name="그림 1"/>
+          <p:cNvPicPr>
+            <a:picLocks noChangeAspect="1"/>
+          </p:cNvPicPr>
+          <p:nvPr/>
+        </p:nvPicPr>
+        <p:blipFill>
+          <a:blip r:embed="rId2"/>
+          <a:stretch>
+            <a:fillRect/>
+          </a:stretch>
+        </p:blipFill>
+        <p:spPr>
+          <a:xfrm>
+            <a:off x="2565563" y="1903189"/>
+            <a:ext cx="6027942" cy="2712955"/>
+          </a:xfrm>
+          <a:prstGeom prst="rect">
+            <a:avLst/>
+          </a:prstGeom>
+        </p:spPr>
+      </p:pic>
+      <p:sp>
+        <p:nvSpPr>
+          <p:cNvPr id="3" name="TextBox 2"/>
+          <p:cNvSpPr txBox="1"/>
+          <p:nvPr/>
+        </p:nvSpPr>
+        <p:spPr>
+          <a:xfrm>
+            <a:off x="3064934" y="829733"/>
+            <a:ext cx="6803144" cy="646331"/>
+          </a:xfrm>
+          <a:prstGeom prst="rect">
+            <a:avLst/>
+          </a:prstGeom>
+          <a:noFill/>
+        </p:spPr>
+        <p:txBody>
+          <a:bodyPr wrap="none" rtlCol="0">
+            <a:spAutoFit/>
+          </a:bodyPr>
+          <a:lstStyle/>
+          <a:p>
+            <a:r>
+              <a:rPr lang="ko-KR" altLang="en-US" dirty="0" err="1" smtClean="0"/>
+              <a:t>액티비티</a:t>
+            </a:r>
+            <a:r>
+              <a:rPr lang="ko-KR" altLang="en-US" dirty="0" smtClean="0"/>
+              <a:t> 새로 부를 때 </a:t>
+            </a:r>
+            <a:r>
+              <a:rPr lang="en-US" altLang="ko-KR" dirty="0" smtClean="0"/>
+              <a:t>intent </a:t>
+            </a:r>
+            <a:r>
+              <a:rPr lang="ko-KR" altLang="en-US" dirty="0" smtClean="0"/>
+              <a:t>해서 원래 </a:t>
+            </a:r>
+            <a:r>
+              <a:rPr lang="en-US" altLang="ko-KR" dirty="0" smtClean="0"/>
+              <a:t>main</a:t>
+            </a:r>
+            <a:r>
+              <a:rPr lang="ko-KR" altLang="en-US" dirty="0" smtClean="0"/>
+              <a:t>으로 </a:t>
+            </a:r>
+            <a:r>
+              <a:rPr lang="ko-KR" altLang="en-US" dirty="0" err="1" smtClean="0"/>
+              <a:t>돌아가는거랑</a:t>
+            </a:r>
+            <a:endParaRPr lang="en-US" altLang="ko-KR" dirty="0" smtClean="0"/>
+          </a:p>
+          <a:p>
+            <a:r>
+              <a:rPr lang="en-US" altLang="ko-KR" dirty="0" smtClean="0"/>
+              <a:t>Finish()</a:t>
+            </a:r>
+            <a:r>
+              <a:rPr lang="ko-KR" altLang="en-US" dirty="0" smtClean="0"/>
+              <a:t>해서 </a:t>
+            </a:r>
+            <a:r>
+              <a:rPr lang="ko-KR" altLang="en-US" dirty="0" err="1" smtClean="0"/>
+              <a:t>돌아가는거랑</a:t>
+            </a:r>
+            <a:r>
+              <a:rPr lang="ko-KR" altLang="en-US" dirty="0" smtClean="0"/>
+              <a:t> 차이점</a:t>
+            </a:r>
+            <a:endParaRPr lang="ko-KR" altLang="en-US" dirty="0"/>
+          </a:p>
+        </p:txBody>
+      </p:sp>
     </p:spTree>
     <p:extLst>
       <p:ext uri="{BB962C8B-B14F-4D97-AF65-F5344CB8AC3E}">

--- a/Android Studio/안드로이드 스튜디오 포스팅.pptx
+++ b/Android Studio/안드로이드 스튜디오 포스팅.pptx
@@ -3607,7 +3607,7 @@
         </p:nvSpPr>
         <p:spPr>
           <a:xfrm>
-            <a:off x="3265054" y="5266534"/>
+            <a:off x="3273520" y="5241134"/>
             <a:ext cx="1865745" cy="364836"/>
           </a:xfrm>
           <a:prstGeom prst="rect">
@@ -4273,7 +4273,7 @@
         </p:blipFill>
         <p:spPr>
           <a:xfrm>
-            <a:off x="2565563" y="1903189"/>
+            <a:off x="3234430" y="2031620"/>
             <a:ext cx="6027942" cy="2712955"/>
           </a:xfrm>
           <a:prstGeom prst="rect">
@@ -4384,6 +4384,54 @@
           <a:chExt cx="0" cy="0"/>
         </a:xfrm>
       </p:grpSpPr>
+      <p:pic>
+        <p:nvPicPr>
+          <p:cNvPr id="3" name="그림 2"/>
+          <p:cNvPicPr>
+            <a:picLocks noChangeAspect="1"/>
+          </p:cNvPicPr>
+          <p:nvPr/>
+        </p:nvPicPr>
+        <p:blipFill>
+          <a:blip r:embed="rId2"/>
+          <a:stretch>
+            <a:fillRect/>
+          </a:stretch>
+        </p:blipFill>
+        <p:spPr>
+          <a:xfrm>
+            <a:off x="6362152" y="434119"/>
+            <a:ext cx="2888230" cy="5075360"/>
+          </a:xfrm>
+          <a:prstGeom prst="rect">
+            <a:avLst/>
+          </a:prstGeom>
+        </p:spPr>
+      </p:pic>
+      <p:pic>
+        <p:nvPicPr>
+          <p:cNvPr id="4" name="그림 3"/>
+          <p:cNvPicPr>
+            <a:picLocks noChangeAspect="1"/>
+          </p:cNvPicPr>
+          <p:nvPr/>
+        </p:nvPicPr>
+        <p:blipFill>
+          <a:blip r:embed="rId3"/>
+          <a:stretch>
+            <a:fillRect/>
+          </a:stretch>
+        </p:blipFill>
+        <p:spPr>
+          <a:xfrm>
+            <a:off x="2355726" y="460792"/>
+            <a:ext cx="2857748" cy="5022015"/>
+          </a:xfrm>
+          <a:prstGeom prst="rect">
+            <a:avLst/>
+          </a:prstGeom>
+        </p:spPr>
+      </p:pic>
     </p:spTree>
     <p:extLst>
       <p:ext uri="{BB962C8B-B14F-4D97-AF65-F5344CB8AC3E}">
@@ -4414,6 +4462,76 @@
           <a:chExt cx="0" cy="0"/>
         </a:xfrm>
       </p:grpSpPr>
+      <p:pic>
+        <p:nvPicPr>
+          <p:cNvPr id="2" name="그림 1"/>
+          <p:cNvPicPr>
+            <a:picLocks noChangeAspect="1"/>
+          </p:cNvPicPr>
+          <p:nvPr/>
+        </p:nvPicPr>
+        <p:blipFill>
+          <a:blip r:embed="rId2"/>
+          <a:stretch>
+            <a:fillRect/>
+          </a:stretch>
+        </p:blipFill>
+        <p:spPr>
+          <a:xfrm>
+            <a:off x="2383132" y="1054331"/>
+            <a:ext cx="5410669" cy="4427604"/>
+          </a:xfrm>
+          <a:prstGeom prst="rect">
+            <a:avLst/>
+          </a:prstGeom>
+        </p:spPr>
+      </p:pic>
+      <p:sp>
+        <p:nvSpPr>
+          <p:cNvPr id="3" name="직사각형 2"/>
+          <p:cNvSpPr/>
+          <p:nvPr/>
+        </p:nvSpPr>
+        <p:spPr>
+          <a:xfrm>
+            <a:off x="2946399" y="4521199"/>
+            <a:ext cx="3014133" cy="280437"/>
+          </a:xfrm>
+          <a:prstGeom prst="rect">
+            <a:avLst/>
+          </a:prstGeom>
+          <a:noFill/>
+          <a:ln w="28575">
+            <a:solidFill>
+              <a:srgbClr val="FF0000"/>
+            </a:solidFill>
+          </a:ln>
+        </p:spPr>
+        <p:style>
+          <a:lnRef idx="2">
+            <a:schemeClr val="accent1">
+              <a:shade val="50000"/>
+            </a:schemeClr>
+          </a:lnRef>
+          <a:fillRef idx="1">
+            <a:schemeClr val="accent1"/>
+          </a:fillRef>
+          <a:effectRef idx="0">
+            <a:schemeClr val="accent1"/>
+          </a:effectRef>
+          <a:fontRef idx="minor">
+            <a:schemeClr val="lt1"/>
+          </a:fontRef>
+        </p:style>
+        <p:txBody>
+          <a:bodyPr rtlCol="0" anchor="ctr"/>
+          <a:lstStyle/>
+          <a:p>
+            <a:pPr algn="ctr"/>
+            <a:endParaRPr lang="ko-KR" altLang="en-US"/>
+          </a:p>
+        </p:txBody>
+      </p:sp>
     </p:spTree>
     <p:extLst>
       <p:ext uri="{BB962C8B-B14F-4D97-AF65-F5344CB8AC3E}">
